--- a/data_analysis_report/Data Analysis Report.pptx
+++ b/data_analysis_report/Data Analysis Report.pptx
@@ -107,6 +107,11 @@
       </a:defRPr>
     </a:lvl9pPr>
   </p:defaultTextStyle>
+  <p:extLst>
+    <p:ext uri="{EFAFB233-063F-42B5-8137-9DF3F51BA10A}">
+      <p15:sldGuideLst xmlns:p15="http://schemas.microsoft.com/office/powerpoint/2012/main"/>
+    </p:ext>
+  </p:extLst>
 </p:presentation>
 </file>
 
@@ -259,7 +264,7 @@
           <a:p>
             <a:fld id="{BE55EE9C-04F2-4313-8048-9C23DBF48687}" type="datetimeFigureOut">
               <a:rPr lang="en-SG" smtClean="0"/>
-              <a:t>10/5/2021</a:t>
+              <a:t>12/5/2021</a:t>
             </a:fld>
             <a:endParaRPr lang="en-SG"/>
           </a:p>
@@ -459,7 +464,7 @@
           <a:p>
             <a:fld id="{BE55EE9C-04F2-4313-8048-9C23DBF48687}" type="datetimeFigureOut">
               <a:rPr lang="en-SG" smtClean="0"/>
-              <a:t>10/5/2021</a:t>
+              <a:t>12/5/2021</a:t>
             </a:fld>
             <a:endParaRPr lang="en-SG"/>
           </a:p>
@@ -669,7 +674,7 @@
           <a:p>
             <a:fld id="{BE55EE9C-04F2-4313-8048-9C23DBF48687}" type="datetimeFigureOut">
               <a:rPr lang="en-SG" smtClean="0"/>
-              <a:t>10/5/2021</a:t>
+              <a:t>12/5/2021</a:t>
             </a:fld>
             <a:endParaRPr lang="en-SG"/>
           </a:p>
@@ -869,7 +874,7 @@
           <a:p>
             <a:fld id="{BE55EE9C-04F2-4313-8048-9C23DBF48687}" type="datetimeFigureOut">
               <a:rPr lang="en-SG" smtClean="0"/>
-              <a:t>10/5/2021</a:t>
+              <a:t>12/5/2021</a:t>
             </a:fld>
             <a:endParaRPr lang="en-SG"/>
           </a:p>
@@ -1145,7 +1150,7 @@
           <a:p>
             <a:fld id="{BE55EE9C-04F2-4313-8048-9C23DBF48687}" type="datetimeFigureOut">
               <a:rPr lang="en-SG" smtClean="0"/>
-              <a:t>10/5/2021</a:t>
+              <a:t>12/5/2021</a:t>
             </a:fld>
             <a:endParaRPr lang="en-SG"/>
           </a:p>
@@ -1413,7 +1418,7 @@
           <a:p>
             <a:fld id="{BE55EE9C-04F2-4313-8048-9C23DBF48687}" type="datetimeFigureOut">
               <a:rPr lang="en-SG" smtClean="0"/>
-              <a:t>10/5/2021</a:t>
+              <a:t>12/5/2021</a:t>
             </a:fld>
             <a:endParaRPr lang="en-SG"/>
           </a:p>
@@ -1828,7 +1833,7 @@
           <a:p>
             <a:fld id="{BE55EE9C-04F2-4313-8048-9C23DBF48687}" type="datetimeFigureOut">
               <a:rPr lang="en-SG" smtClean="0"/>
-              <a:t>10/5/2021</a:t>
+              <a:t>12/5/2021</a:t>
             </a:fld>
             <a:endParaRPr lang="en-SG"/>
           </a:p>
@@ -1970,7 +1975,7 @@
           <a:p>
             <a:fld id="{BE55EE9C-04F2-4313-8048-9C23DBF48687}" type="datetimeFigureOut">
               <a:rPr lang="en-SG" smtClean="0"/>
-              <a:t>10/5/2021</a:t>
+              <a:t>12/5/2021</a:t>
             </a:fld>
             <a:endParaRPr lang="en-SG"/>
           </a:p>
@@ -2083,7 +2088,7 @@
           <a:p>
             <a:fld id="{BE55EE9C-04F2-4313-8048-9C23DBF48687}" type="datetimeFigureOut">
               <a:rPr lang="en-SG" smtClean="0"/>
-              <a:t>10/5/2021</a:t>
+              <a:t>12/5/2021</a:t>
             </a:fld>
             <a:endParaRPr lang="en-SG"/>
           </a:p>
@@ -2396,7 +2401,7 @@
           <a:p>
             <a:fld id="{BE55EE9C-04F2-4313-8048-9C23DBF48687}" type="datetimeFigureOut">
               <a:rPr lang="en-SG" smtClean="0"/>
-              <a:t>10/5/2021</a:t>
+              <a:t>12/5/2021</a:t>
             </a:fld>
             <a:endParaRPr lang="en-SG"/>
           </a:p>
@@ -2685,7 +2690,7 @@
           <a:p>
             <a:fld id="{BE55EE9C-04F2-4313-8048-9C23DBF48687}" type="datetimeFigureOut">
               <a:rPr lang="en-SG" smtClean="0"/>
-              <a:t>10/5/2021</a:t>
+              <a:t>12/5/2021</a:t>
             </a:fld>
             <a:endParaRPr lang="en-SG"/>
           </a:p>
@@ -2928,7 +2933,7 @@
           <a:p>
             <a:fld id="{BE55EE9C-04F2-4313-8048-9C23DBF48687}" type="datetimeFigureOut">
               <a:rPr lang="en-SG" smtClean="0"/>
-              <a:t>10/5/2021</a:t>
+              <a:t>12/5/2021</a:t>
             </a:fld>
             <a:endParaRPr lang="en-SG"/>
           </a:p>
@@ -3837,7 +3842,7 @@
         </p:spPr>
         <p:txBody>
           <a:bodyPr>
-            <a:normAutofit/>
+            <a:normAutofit fontScale="92500" lnSpcReduction="10000"/>
           </a:bodyPr>
           <a:lstStyle/>
           <a:p>
@@ -3926,10 +3931,24 @@
           <a:p>
             <a:pPr lvl="1"/>
             <a:r>
-              <a:rPr lang="en-US" dirty="0"/>
-              <a:t>Results for Decision Tree and Random Forest seem to indicate low buying price, but I believe some debugging is necessary.</a:t>
-            </a:r>
-            <a:endParaRPr lang="en-SG" dirty="0"/>
+              <a:rPr lang="en-US" b="1" dirty="0"/>
+              <a:t>It should be noted that, given the fact that the desired output is a label, not a quantity, multiclass classification employing approaches such as Random Forest Classifier would be more appropriate for this particular dataset.</a:t>
+            </a:r>
+          </a:p>
+          <a:p>
+            <a:pPr lvl="1"/>
+            <a:r>
+              <a:rPr lang="en-US" b="1" dirty="0"/>
+              <a:t> A new script titled *multiclassification.py* has been written for this purpose.</a:t>
+            </a:r>
+          </a:p>
+          <a:p>
+            <a:pPr lvl="1"/>
+            <a:r>
+              <a:rPr lang="en-US" b="1" dirty="0"/>
+              <a:t>Results show that a low buying price is predicted for all capacities, which coincides with the result of the Decision Tree and Random Forest Regression.</a:t>
+            </a:r>
+            <a:endParaRPr lang="en-SG" b="1" dirty="0"/>
           </a:p>
         </p:txBody>
       </p:sp>
